--- a/data/lidar_gui.pptx
+++ b/data/lidar_gui.pptx
@@ -264,7 +264,7 @@
           <a:p>
             <a:fld id="{48C782B7-5791-4B87-8DD5-249A02B22032}" type="datetimeFigureOut">
               <a:rPr lang="zh-CN" altLang="en-US" smtClean="0"/>
-              <a:t>2023/5/18</a:t>
+              <a:t>2023/5/19</a:t>
             </a:fld>
             <a:endParaRPr lang="zh-CN" altLang="en-US"/>
           </a:p>
@@ -462,7 +462,7 @@
           <a:p>
             <a:fld id="{48C782B7-5791-4B87-8DD5-249A02B22032}" type="datetimeFigureOut">
               <a:rPr lang="zh-CN" altLang="en-US" smtClean="0"/>
-              <a:t>2023/5/18</a:t>
+              <a:t>2023/5/19</a:t>
             </a:fld>
             <a:endParaRPr lang="zh-CN" altLang="en-US"/>
           </a:p>
@@ -670,7 +670,7 @@
           <a:p>
             <a:fld id="{48C782B7-5791-4B87-8DD5-249A02B22032}" type="datetimeFigureOut">
               <a:rPr lang="zh-CN" altLang="en-US" smtClean="0"/>
-              <a:t>2023/5/18</a:t>
+              <a:t>2023/5/19</a:t>
             </a:fld>
             <a:endParaRPr lang="zh-CN" altLang="en-US"/>
           </a:p>
@@ -868,7 +868,7 @@
           <a:p>
             <a:fld id="{48C782B7-5791-4B87-8DD5-249A02B22032}" type="datetimeFigureOut">
               <a:rPr lang="zh-CN" altLang="en-US" smtClean="0"/>
-              <a:t>2023/5/18</a:t>
+              <a:t>2023/5/19</a:t>
             </a:fld>
             <a:endParaRPr lang="zh-CN" altLang="en-US"/>
           </a:p>
@@ -1143,7 +1143,7 @@
           <a:p>
             <a:fld id="{48C782B7-5791-4B87-8DD5-249A02B22032}" type="datetimeFigureOut">
               <a:rPr lang="zh-CN" altLang="en-US" smtClean="0"/>
-              <a:t>2023/5/18</a:t>
+              <a:t>2023/5/19</a:t>
             </a:fld>
             <a:endParaRPr lang="zh-CN" altLang="en-US"/>
           </a:p>
@@ -1408,7 +1408,7 @@
           <a:p>
             <a:fld id="{48C782B7-5791-4B87-8DD5-249A02B22032}" type="datetimeFigureOut">
               <a:rPr lang="zh-CN" altLang="en-US" smtClean="0"/>
-              <a:t>2023/5/18</a:t>
+              <a:t>2023/5/19</a:t>
             </a:fld>
             <a:endParaRPr lang="zh-CN" altLang="en-US"/>
           </a:p>
@@ -1820,7 +1820,7 @@
           <a:p>
             <a:fld id="{48C782B7-5791-4B87-8DD5-249A02B22032}" type="datetimeFigureOut">
               <a:rPr lang="zh-CN" altLang="en-US" smtClean="0"/>
-              <a:t>2023/5/18</a:t>
+              <a:t>2023/5/19</a:t>
             </a:fld>
             <a:endParaRPr lang="zh-CN" altLang="en-US"/>
           </a:p>
@@ -1961,7 +1961,7 @@
           <a:p>
             <a:fld id="{48C782B7-5791-4B87-8DD5-249A02B22032}" type="datetimeFigureOut">
               <a:rPr lang="zh-CN" altLang="en-US" smtClean="0"/>
-              <a:t>2023/5/18</a:t>
+              <a:t>2023/5/19</a:t>
             </a:fld>
             <a:endParaRPr lang="zh-CN" altLang="en-US"/>
           </a:p>
@@ -2074,7 +2074,7 @@
           <a:p>
             <a:fld id="{48C782B7-5791-4B87-8DD5-249A02B22032}" type="datetimeFigureOut">
               <a:rPr lang="zh-CN" altLang="en-US" smtClean="0"/>
-              <a:t>2023/5/18</a:t>
+              <a:t>2023/5/19</a:t>
             </a:fld>
             <a:endParaRPr lang="zh-CN" altLang="en-US"/>
           </a:p>
@@ -2385,7 +2385,7 @@
           <a:p>
             <a:fld id="{48C782B7-5791-4B87-8DD5-249A02B22032}" type="datetimeFigureOut">
               <a:rPr lang="zh-CN" altLang="en-US" smtClean="0"/>
-              <a:t>2023/5/18</a:t>
+              <a:t>2023/5/19</a:t>
             </a:fld>
             <a:endParaRPr lang="zh-CN" altLang="en-US"/>
           </a:p>
@@ -2673,7 +2673,7 @@
           <a:p>
             <a:fld id="{48C782B7-5791-4B87-8DD5-249A02B22032}" type="datetimeFigureOut">
               <a:rPr lang="zh-CN" altLang="en-US" smtClean="0"/>
-              <a:t>2023/5/18</a:t>
+              <a:t>2023/5/19</a:t>
             </a:fld>
             <a:endParaRPr lang="zh-CN" altLang="en-US"/>
           </a:p>
@@ -2914,7 +2914,7 @@
           <a:p>
             <a:fld id="{48C782B7-5791-4B87-8DD5-249A02B22032}" type="datetimeFigureOut">
               <a:rPr lang="zh-CN" altLang="en-US" smtClean="0"/>
-              <a:t>2023/5/18</a:t>
+              <a:t>2023/5/19</a:t>
             </a:fld>
             <a:endParaRPr lang="zh-CN" altLang="en-US"/>
           </a:p>
@@ -5804,8 +5804,8 @@
         </p:nvSpPr>
         <p:spPr>
           <a:xfrm>
-            <a:off x="6786099" y="2442417"/>
-            <a:ext cx="1173479" cy="461665"/>
+            <a:off x="5923068" y="2567984"/>
+            <a:ext cx="1863579" cy="646331"/>
           </a:xfrm>
           <a:prstGeom prst="rect">
             <a:avLst/>
@@ -5824,7 +5824,7 @@
                   <a:srgbClr val="FF0000"/>
                 </a:solidFill>
               </a:rPr>
-              <a:t>③点击连接按钮显示测距值</a:t>
+              <a:t>③点击连接按钮下方显示测距值，并切换为连接中，再次点击取消连接</a:t>
             </a:r>
           </a:p>
         </p:txBody>
@@ -5844,9 +5844,9 @@
           <p:nvPr/>
         </p:nvCxnSpPr>
         <p:spPr>
-          <a:xfrm flipH="1" flipV="1">
-            <a:off x="7307580" y="2240280"/>
-            <a:ext cx="289560" cy="259080"/>
+          <a:xfrm flipV="1">
+            <a:off x="6896100" y="2240280"/>
+            <a:ext cx="411480" cy="327704"/>
           </a:xfrm>
           <a:prstGeom prst="straightConnector1">
             <a:avLst/>
